--- a/20120725_Ava_MVC/Presentation/MVC_is_Dead.pptx
+++ b/20120725_Ava_MVC/Presentation/MVC_is_Dead.pptx
@@ -674,7 +674,7 @@
         <p:nvSpPr>
           <p:cNvPr id="35844" name="Rectangle 4"/>
           <p:cNvSpPr>
-            <a:spLocks noChangeArrowheads="1" noTextEdit="1"/>
+            <a:spLocks noGrp="1" noRot="1" noChangeAspect="1" noChangeArrowheads="1" noTextEdit="1"/>
           </p:cNvSpPr>
           <p:nvPr>
             <p:ph type="sldImg" idx="2"/>
@@ -1269,7 +1269,7 @@
         <p:nvSpPr>
           <p:cNvPr id="36868" name="Rectangle 1027"/>
           <p:cNvSpPr>
-            <a:spLocks noChangeArrowheads="1" noTextEdit="1"/>
+            <a:spLocks noGrp="1" noRot="1" noChangeAspect="1" noChangeArrowheads="1" noTextEdit="1"/>
           </p:cNvSpPr>
           <p:nvPr>
             <p:ph type="sldImg"/>
@@ -1435,7 +1435,7 @@
         <p:nvSpPr>
           <p:cNvPr id="46083" name="Rectangle 2"/>
           <p:cNvSpPr>
-            <a:spLocks noChangeArrowheads="1" noTextEdit="1"/>
+            <a:spLocks noGrp="1" noRot="1" noChangeAspect="1" noChangeArrowheads="1" noTextEdit="1"/>
           </p:cNvSpPr>
           <p:nvPr>
             <p:ph type="sldImg"/>
@@ -1619,7 +1619,7 @@
         <p:nvSpPr>
           <p:cNvPr id="47107" name="Rectangle 2"/>
           <p:cNvSpPr>
-            <a:spLocks noChangeArrowheads="1" noTextEdit="1"/>
+            <a:spLocks noGrp="1" noRot="1" noChangeAspect="1" noChangeArrowheads="1" noTextEdit="1"/>
           </p:cNvSpPr>
           <p:nvPr>
             <p:ph type="sldImg"/>
@@ -1803,7 +1803,7 @@
         <p:nvSpPr>
           <p:cNvPr id="48131" name="Rectangle 2"/>
           <p:cNvSpPr>
-            <a:spLocks noChangeArrowheads="1" noTextEdit="1"/>
+            <a:spLocks noGrp="1" noRot="1" noChangeAspect="1" noChangeArrowheads="1" noTextEdit="1"/>
           </p:cNvSpPr>
           <p:nvPr>
             <p:ph type="sldImg"/>
@@ -1987,7 +1987,7 @@
         <p:nvSpPr>
           <p:cNvPr id="49155" name="Rectangle 2"/>
           <p:cNvSpPr>
-            <a:spLocks noChangeArrowheads="1" noTextEdit="1"/>
+            <a:spLocks noGrp="1" noRot="1" noChangeAspect="1" noChangeArrowheads="1" noTextEdit="1"/>
           </p:cNvSpPr>
           <p:nvPr>
             <p:ph type="sldImg"/>
@@ -2171,7 +2171,7 @@
         <p:nvSpPr>
           <p:cNvPr id="50179" name="Rectangle 2"/>
           <p:cNvSpPr>
-            <a:spLocks noChangeArrowheads="1" noTextEdit="1"/>
+            <a:spLocks noGrp="1" noRot="1" noChangeAspect="1" noChangeArrowheads="1" noTextEdit="1"/>
           </p:cNvSpPr>
           <p:nvPr>
             <p:ph type="sldImg"/>
@@ -2355,7 +2355,7 @@
         <p:nvSpPr>
           <p:cNvPr id="51203" name="Rectangle 2"/>
           <p:cNvSpPr>
-            <a:spLocks noChangeArrowheads="1" noTextEdit="1"/>
+            <a:spLocks noGrp="1" noRot="1" noChangeAspect="1" noChangeArrowheads="1" noTextEdit="1"/>
           </p:cNvSpPr>
           <p:nvPr>
             <p:ph type="sldImg"/>
@@ -2539,7 +2539,7 @@
         <p:nvSpPr>
           <p:cNvPr id="52227" name="Rectangle 2"/>
           <p:cNvSpPr>
-            <a:spLocks noChangeArrowheads="1" noTextEdit="1"/>
+            <a:spLocks noGrp="1" noRot="1" noChangeAspect="1" noChangeArrowheads="1" noTextEdit="1"/>
           </p:cNvSpPr>
           <p:nvPr>
             <p:ph type="sldImg"/>
@@ -2723,7 +2723,7 @@
         <p:nvSpPr>
           <p:cNvPr id="53251" name="Rectangle 2"/>
           <p:cNvSpPr>
-            <a:spLocks noChangeArrowheads="1" noTextEdit="1"/>
+            <a:spLocks noGrp="1" noRot="1" noChangeAspect="1" noChangeArrowheads="1" noTextEdit="1"/>
           </p:cNvSpPr>
           <p:nvPr>
             <p:ph type="sldImg"/>
@@ -2907,7 +2907,7 @@
         <p:nvSpPr>
           <p:cNvPr id="54275" name="Rectangle 2"/>
           <p:cNvSpPr>
-            <a:spLocks noChangeArrowheads="1" noTextEdit="1"/>
+            <a:spLocks noGrp="1" noRot="1" noChangeAspect="1" noChangeArrowheads="1" noTextEdit="1"/>
           </p:cNvSpPr>
           <p:nvPr>
             <p:ph type="sldImg"/>
@@ -3091,7 +3091,7 @@
         <p:nvSpPr>
           <p:cNvPr id="55299" name="Rectangle 2"/>
           <p:cNvSpPr>
-            <a:spLocks noChangeArrowheads="1" noTextEdit="1"/>
+            <a:spLocks noGrp="1" noRot="1" noChangeAspect="1" noChangeArrowheads="1" noTextEdit="1"/>
           </p:cNvSpPr>
           <p:nvPr>
             <p:ph type="sldImg"/>
@@ -3275,7 +3275,7 @@
         <p:nvSpPr>
           <p:cNvPr id="37891" name="Rectangle 2"/>
           <p:cNvSpPr>
-            <a:spLocks noChangeArrowheads="1" noTextEdit="1"/>
+            <a:spLocks noGrp="1" noRot="1" noChangeAspect="1" noChangeArrowheads="1" noTextEdit="1"/>
           </p:cNvSpPr>
           <p:nvPr>
             <p:ph type="sldImg"/>
@@ -3459,7 +3459,7 @@
         <p:nvSpPr>
           <p:cNvPr id="56323" name="Rectangle 2"/>
           <p:cNvSpPr>
-            <a:spLocks noChangeArrowheads="1" noTextEdit="1"/>
+            <a:spLocks noGrp="1" noRot="1" noChangeAspect="1" noChangeArrowheads="1" noTextEdit="1"/>
           </p:cNvSpPr>
           <p:nvPr>
             <p:ph type="sldImg"/>
@@ -3643,7 +3643,7 @@
         <p:nvSpPr>
           <p:cNvPr id="57347" name="Rectangle 2"/>
           <p:cNvSpPr>
-            <a:spLocks noChangeArrowheads="1" noTextEdit="1"/>
+            <a:spLocks noGrp="1" noRot="1" noChangeAspect="1" noChangeArrowheads="1" noTextEdit="1"/>
           </p:cNvSpPr>
           <p:nvPr>
             <p:ph type="sldImg"/>
@@ -3827,7 +3827,7 @@
         <p:nvSpPr>
           <p:cNvPr id="58371" name="Rectangle 2"/>
           <p:cNvSpPr>
-            <a:spLocks noChangeArrowheads="1" noTextEdit="1"/>
+            <a:spLocks noGrp="1" noRot="1" noChangeAspect="1" noChangeArrowheads="1" noTextEdit="1"/>
           </p:cNvSpPr>
           <p:nvPr>
             <p:ph type="sldImg"/>
@@ -4011,7 +4011,7 @@
         <p:nvSpPr>
           <p:cNvPr id="59395" name="Rectangle 2"/>
           <p:cNvSpPr>
-            <a:spLocks noChangeArrowheads="1" noTextEdit="1"/>
+            <a:spLocks noGrp="1" noRot="1" noChangeAspect="1" noChangeArrowheads="1" noTextEdit="1"/>
           </p:cNvSpPr>
           <p:nvPr>
             <p:ph type="sldImg"/>
@@ -4195,7 +4195,7 @@
         <p:nvSpPr>
           <p:cNvPr id="60419" name="Rectangle 2"/>
           <p:cNvSpPr>
-            <a:spLocks noChangeArrowheads="1" noTextEdit="1"/>
+            <a:spLocks noGrp="1" noRot="1" noChangeAspect="1" noChangeArrowheads="1" noTextEdit="1"/>
           </p:cNvSpPr>
           <p:nvPr>
             <p:ph type="sldImg"/>
@@ -4379,7 +4379,7 @@
         <p:nvSpPr>
           <p:cNvPr id="61443" name="Rectangle 2"/>
           <p:cNvSpPr>
-            <a:spLocks noChangeArrowheads="1" noTextEdit="1"/>
+            <a:spLocks noGrp="1" noRot="1" noChangeAspect="1" noChangeArrowheads="1" noTextEdit="1"/>
           </p:cNvSpPr>
           <p:nvPr>
             <p:ph type="sldImg"/>
@@ -4563,7 +4563,7 @@
         <p:nvSpPr>
           <p:cNvPr id="62467" name="Rectangle 2"/>
           <p:cNvSpPr>
-            <a:spLocks noChangeArrowheads="1" noTextEdit="1"/>
+            <a:spLocks noGrp="1" noRot="1" noChangeAspect="1" noChangeArrowheads="1" noTextEdit="1"/>
           </p:cNvSpPr>
           <p:nvPr>
             <p:ph type="sldImg"/>
@@ -4747,7 +4747,7 @@
         <p:nvSpPr>
           <p:cNvPr id="63491" name="Rectangle 2"/>
           <p:cNvSpPr>
-            <a:spLocks noChangeArrowheads="1" noTextEdit="1"/>
+            <a:spLocks noGrp="1" noRot="1" noChangeAspect="1" noChangeArrowheads="1" noTextEdit="1"/>
           </p:cNvSpPr>
           <p:nvPr>
             <p:ph type="sldImg"/>
@@ -4931,7 +4931,7 @@
         <p:nvSpPr>
           <p:cNvPr id="64515" name="Rectangle 2"/>
           <p:cNvSpPr>
-            <a:spLocks noChangeArrowheads="1" noTextEdit="1"/>
+            <a:spLocks noGrp="1" noRot="1" noChangeAspect="1" noChangeArrowheads="1" noTextEdit="1"/>
           </p:cNvSpPr>
           <p:nvPr>
             <p:ph type="sldImg"/>
@@ -5115,7 +5115,7 @@
         <p:nvSpPr>
           <p:cNvPr id="65539" name="Rectangle 2"/>
           <p:cNvSpPr>
-            <a:spLocks noChangeArrowheads="1" noTextEdit="1"/>
+            <a:spLocks noGrp="1" noRot="1" noChangeAspect="1" noChangeArrowheads="1" noTextEdit="1"/>
           </p:cNvSpPr>
           <p:nvPr>
             <p:ph type="sldImg"/>
@@ -5299,7 +5299,7 @@
         <p:nvSpPr>
           <p:cNvPr id="38915" name="Rectangle 2"/>
           <p:cNvSpPr>
-            <a:spLocks noChangeArrowheads="1" noTextEdit="1"/>
+            <a:spLocks noGrp="1" noRot="1" noChangeAspect="1" noChangeArrowheads="1" noTextEdit="1"/>
           </p:cNvSpPr>
           <p:nvPr>
             <p:ph type="sldImg"/>
@@ -5483,7 +5483,7 @@
         <p:nvSpPr>
           <p:cNvPr id="66563" name="Rectangle 2"/>
           <p:cNvSpPr>
-            <a:spLocks noChangeArrowheads="1" noTextEdit="1"/>
+            <a:spLocks noGrp="1" noRot="1" noChangeAspect="1" noChangeArrowheads="1" noTextEdit="1"/>
           </p:cNvSpPr>
           <p:nvPr>
             <p:ph type="sldImg"/>
@@ -5667,7 +5667,7 @@
         <p:nvSpPr>
           <p:cNvPr id="67587" name="Rectangle 2"/>
           <p:cNvSpPr>
-            <a:spLocks noChangeArrowheads="1" noTextEdit="1"/>
+            <a:spLocks noGrp="1" noRot="1" noChangeAspect="1" noChangeArrowheads="1" noTextEdit="1"/>
           </p:cNvSpPr>
           <p:nvPr>
             <p:ph type="sldImg"/>
@@ -5851,7 +5851,7 @@
         <p:nvSpPr>
           <p:cNvPr id="39939" name="Rectangle 2"/>
           <p:cNvSpPr>
-            <a:spLocks noChangeArrowheads="1" noTextEdit="1"/>
+            <a:spLocks noGrp="1" noRot="1" noChangeAspect="1" noChangeArrowheads="1" noTextEdit="1"/>
           </p:cNvSpPr>
           <p:nvPr>
             <p:ph type="sldImg"/>
@@ -6035,7 +6035,7 @@
         <p:nvSpPr>
           <p:cNvPr id="40963" name="Rectangle 2"/>
           <p:cNvSpPr>
-            <a:spLocks noChangeArrowheads="1" noTextEdit="1"/>
+            <a:spLocks noGrp="1" noRot="1" noChangeAspect="1" noChangeArrowheads="1" noTextEdit="1"/>
           </p:cNvSpPr>
           <p:nvPr>
             <p:ph type="sldImg"/>
@@ -6219,7 +6219,7 @@
         <p:nvSpPr>
           <p:cNvPr id="41987" name="Rectangle 2"/>
           <p:cNvSpPr>
-            <a:spLocks noChangeArrowheads="1" noTextEdit="1"/>
+            <a:spLocks noGrp="1" noRot="1" noChangeAspect="1" noChangeArrowheads="1" noTextEdit="1"/>
           </p:cNvSpPr>
           <p:nvPr>
             <p:ph type="sldImg"/>
@@ -6403,7 +6403,7 @@
         <p:nvSpPr>
           <p:cNvPr id="43011" name="Rectangle 2"/>
           <p:cNvSpPr>
-            <a:spLocks noChangeArrowheads="1" noTextEdit="1"/>
+            <a:spLocks noGrp="1" noRot="1" noChangeAspect="1" noChangeArrowheads="1" noTextEdit="1"/>
           </p:cNvSpPr>
           <p:nvPr>
             <p:ph type="sldImg"/>
@@ -6587,7 +6587,7 @@
         <p:nvSpPr>
           <p:cNvPr id="44035" name="Rectangle 2"/>
           <p:cNvSpPr>
-            <a:spLocks noChangeArrowheads="1" noTextEdit="1"/>
+            <a:spLocks noGrp="1" noRot="1" noChangeAspect="1" noChangeArrowheads="1" noTextEdit="1"/>
           </p:cNvSpPr>
           <p:nvPr>
             <p:ph type="sldImg"/>
@@ -6771,7 +6771,7 @@
         <p:nvSpPr>
           <p:cNvPr id="45059" name="Rectangle 2"/>
           <p:cNvSpPr>
-            <a:spLocks noChangeArrowheads="1" noTextEdit="1"/>
+            <a:spLocks noGrp="1" noRot="1" noChangeAspect="1" noChangeArrowheads="1" noTextEdit="1"/>
           </p:cNvSpPr>
           <p:nvPr>
             <p:ph type="sldImg"/>
@@ -19698,7 +19698,43 @@
                 </a:solidFill>
                 <a:ea typeface="ＭＳ Ｐゴシック" pitchFamily="50" charset="-128"/>
               </a:rPr>
-              <a:t>属性を付けるなどの例外がある</a:t>
+              <a:t>属性を付けるなどの例外が</a:t>
+            </a:r>
+            <a:r>
+              <a:rPr lang="ja-JP" altLang="en-US" sz="1600" dirty="0" smtClean="0">
+                <a:solidFill>
+                  <a:srgbClr val="FFFFFF"/>
+                </a:solidFill>
+                <a:ea typeface="ＭＳ Ｐゴシック" pitchFamily="50" charset="-128"/>
+              </a:rPr>
+              <a:t>ある（</a:t>
+            </a:r>
+            <a:r>
+              <a:rPr lang="en-US" altLang="ja-JP" sz="1600" dirty="0" err="1" smtClean="0">
+                <a:solidFill>
+                  <a:srgbClr val="FFFFFF"/>
+                </a:solidFill>
+                <a:ea typeface="ＭＳ Ｐゴシック" pitchFamily="50" charset="-128"/>
+              </a:rPr>
+              <a:t>Json</a:t>
+            </a:r>
+            <a:r>
+              <a:rPr lang="ja-JP" altLang="en-US" sz="1600" dirty="0" smtClean="0">
+                <a:solidFill>
+                  <a:srgbClr val="FFFFFF"/>
+                </a:solidFill>
+                <a:ea typeface="ＭＳ Ｐゴシック" pitchFamily="50" charset="-128"/>
+              </a:rPr>
+              <a:t>オブジェクトを返す場合など</a:t>
+            </a:r>
+            <a:r>
+              <a:rPr lang="ja-JP" altLang="en-US" sz="1600" dirty="0">
+                <a:solidFill>
+                  <a:srgbClr val="FFFFFF"/>
+                </a:solidFill>
+                <a:ea typeface="ＭＳ Ｐゴシック" pitchFamily="50" charset="-128"/>
+              </a:rPr>
+              <a:t>）</a:t>
             </a:r>
             <a:endParaRPr lang="en-US" altLang="ja-JP" sz="1600" dirty="0" smtClean="0">
               <a:solidFill>
@@ -19729,13 +19765,58 @@
               <a:t>ASP.NET MVC 4</a:t>
             </a:r>
             <a:r>
-              <a:rPr lang="ja-JP" altLang="en-US" sz="1600" smtClean="0">
-                <a:solidFill>
-                  <a:srgbClr val="FFFFFF"/>
-                </a:solidFill>
-                <a:ea typeface="ＭＳ Ｐゴシック" pitchFamily="50" charset="-128"/>
-              </a:rPr>
-              <a:t>の新機能</a:t>
+              <a:rPr lang="ja-JP" altLang="en-US" sz="1600" dirty="0" smtClean="0">
+                <a:solidFill>
+                  <a:srgbClr val="FFFFFF"/>
+                </a:solidFill>
+                <a:ea typeface="ＭＳ Ｐゴシック" pitchFamily="50" charset="-128"/>
+              </a:rPr>
+              <a:t>の</a:t>
+            </a:r>
+            <a:r>
+              <a:rPr lang="ja-JP" altLang="en-US" sz="1600" dirty="0" smtClean="0">
+                <a:solidFill>
+                  <a:srgbClr val="FFFFFF"/>
+                </a:solidFill>
+                <a:ea typeface="ＭＳ Ｐゴシック" pitchFamily="50" charset="-128"/>
+              </a:rPr>
+              <a:t>新機能の</a:t>
+            </a:r>
+            <a:r>
+              <a:rPr lang="en-US" altLang="ja-JP" sz="1600" dirty="0" smtClean="0">
+                <a:solidFill>
+                  <a:srgbClr val="FFFFFF"/>
+                </a:solidFill>
+                <a:ea typeface="ＭＳ Ｐゴシック" pitchFamily="50" charset="-128"/>
+              </a:rPr>
+              <a:t>Web API</a:t>
+            </a:r>
+            <a:r>
+              <a:rPr lang="ja-JP" altLang="en-US" sz="1600" dirty="0" smtClean="0">
+                <a:solidFill>
+                  <a:srgbClr val="FFFFFF"/>
+                </a:solidFill>
+                <a:ea typeface="ＭＳ Ｐゴシック" pitchFamily="50" charset="-128"/>
+              </a:rPr>
+              <a:t>を使うことで、</a:t>
+            </a:r>
+            <a:r>
+              <a:rPr lang="en-US" altLang="ja-JP" sz="1600" dirty="0" err="1" smtClean="0">
+                <a:solidFill>
+                  <a:srgbClr val="FFFFFF"/>
+                </a:solidFill>
+                <a:ea typeface="ＭＳ Ｐゴシック" pitchFamily="50" charset="-128"/>
+              </a:rPr>
+              <a:t>RESTful</a:t>
+            </a:r>
+            <a:r>
+              <a:rPr lang="ja-JP" altLang="en-US" sz="1600" dirty="0" smtClean="0">
+                <a:solidFill>
+                  <a:srgbClr val="FFFFFF"/>
+                </a:solidFill>
+                <a:ea typeface="ＭＳ Ｐゴシック" pitchFamily="50" charset="-128"/>
+              </a:rPr>
+              <a:t>サービスがより簡潔に記述できるようになる</a:t>
             </a:r>
             <a:endParaRPr lang="en-US" altLang="ja-JP" sz="1600" dirty="0" smtClean="0">
               <a:solidFill>
